--- a/Document/5. UI 설계서/[MD]UI Design_Semi-colon_Ver1.0.0.pptx
+++ b/Document/5. UI 설계서/[MD]UI Design_Semi-colon_Ver1.0.0.pptx
@@ -16005,7 +16005,21 @@
                 <a:latin typeface="맑은 고딕" pitchFamily="50" charset="-127"/>
                 <a:ea typeface="맑은 고딕" pitchFamily="50" charset="-127"/>
               </a:rPr>
-              <a:t>가 저장폴더와 포트번호를 설정</a:t>
+              <a:t>가 </a:t>
+            </a:r>
+            <a:r>
+              <a:rPr lang="ko-KR" altLang="en-US" sz="1050" dirty="0" err="1">
+                <a:latin typeface="맑은 고딕" pitchFamily="50" charset="-127"/>
+                <a:ea typeface="맑은 고딕" pitchFamily="50" charset="-127"/>
+              </a:rPr>
+              <a:t>저장폴더를</a:t>
+            </a:r>
+            <a:r>
+              <a:rPr lang="ko-KR" altLang="en-US" sz="1050" dirty="0">
+                <a:latin typeface="맑은 고딕" pitchFamily="50" charset="-127"/>
+                <a:ea typeface="맑은 고딕" pitchFamily="50" charset="-127"/>
+              </a:rPr>
+              <a:t> 설정</a:t>
             </a:r>
             <a:r>
               <a:rPr kumimoji="0" lang="ko-KR" altLang="en-US" sz="1050" b="0" i="0" u="none" strike="noStrike" cap="none" normalizeH="0" baseline="0" dirty="0">
@@ -16265,18 +16279,11 @@
                 <a:t> </a:t>
               </a:r>
               <a:r>
-                <a:rPr lang="ko-KR" altLang="en-US" sz="1050" dirty="0" err="1">
-                  <a:latin typeface="맑은 고딕" pitchFamily="50" charset="-127"/>
-                  <a:ea typeface="맑은 고딕" pitchFamily="50" charset="-127"/>
-                </a:rPr>
-                <a:t>팝업창이</a:t>
-              </a:r>
-              <a:r>
                 <a:rPr lang="ko-KR" altLang="en-US" sz="1050" dirty="0">
                   <a:latin typeface="맑은 고딕" pitchFamily="50" charset="-127"/>
                   <a:ea typeface="맑은 고딕" pitchFamily="50" charset="-127"/>
                 </a:rPr>
-                <a:t> 뜬다</a:t>
+                <a:t>팝업창이 뜬다</a:t>
               </a:r>
               <a:r>
                 <a:rPr lang="en-US" altLang="ko-KR" sz="1050" dirty="0">
@@ -16285,89 +16292,6 @@
                 </a:rPr>
                 <a:t>.</a:t>
               </a:r>
-            </a:p>
-            <a:p>
-              <a:pPr algn="just">
-                <a:buFont typeface="Arial" pitchFamily="34" charset="0"/>
-                <a:buChar char="•"/>
-              </a:pPr>
-              <a:r>
-                <a:rPr lang="en-US" altLang="ko-KR" sz="1050" dirty="0">
-                  <a:latin typeface="맑은 고딕" pitchFamily="50" charset="-127"/>
-                  <a:ea typeface="맑은 고딕" pitchFamily="50" charset="-127"/>
-                </a:rPr>
-                <a:t> </a:t>
-              </a:r>
-              <a:r>
-                <a:rPr lang="ko-KR" altLang="en-US" sz="1050" dirty="0">
-                  <a:latin typeface="맑은 고딕" pitchFamily="50" charset="-127"/>
-                  <a:ea typeface="맑은 고딕" pitchFamily="50" charset="-127"/>
-                </a:rPr>
-                <a:t>포트번호를 입력하고 </a:t>
-              </a:r>
-              <a:r>
-                <a:rPr lang="en-US" altLang="ko-KR" sz="1050" dirty="0">
-                  <a:latin typeface="맑은 고딕" pitchFamily="50" charset="-127"/>
-                  <a:ea typeface="맑은 고딕" pitchFamily="50" charset="-127"/>
-                </a:rPr>
-                <a:t>‘</a:t>
-              </a:r>
-              <a:r>
-                <a:rPr lang="ko-KR" altLang="en-US" sz="1050" dirty="0">
-                  <a:latin typeface="맑은 고딕" pitchFamily="50" charset="-127"/>
-                  <a:ea typeface="맑은 고딕" pitchFamily="50" charset="-127"/>
-                </a:rPr>
-                <a:t>확인</a:t>
-              </a:r>
-              <a:r>
-                <a:rPr lang="en-US" altLang="ko-KR" sz="1050" dirty="0">
-                  <a:latin typeface="맑은 고딕" pitchFamily="50" charset="-127"/>
-                  <a:ea typeface="맑은 고딕" pitchFamily="50" charset="-127"/>
-                </a:rPr>
-                <a:t>’</a:t>
-              </a:r>
-              <a:r>
-                <a:rPr lang="ko-KR" altLang="en-US" sz="1050" dirty="0">
-                  <a:latin typeface="맑은 고딕" pitchFamily="50" charset="-127"/>
-                  <a:ea typeface="맑은 고딕" pitchFamily="50" charset="-127"/>
-                </a:rPr>
-                <a:t>버튼을 클릭하면 입력한 결과가 </a:t>
-              </a:r>
-              <a:endParaRPr lang="en-US" altLang="ko-KR" sz="1050" dirty="0">
-                <a:latin typeface="맑은 고딕" pitchFamily="50" charset="-127"/>
-                <a:ea typeface="맑은 고딕" pitchFamily="50" charset="-127"/>
-              </a:endParaRPr>
-            </a:p>
-            <a:p>
-              <a:pPr algn="just"/>
-              <a:r>
-                <a:rPr lang="en-US" altLang="ko-KR" sz="1050" dirty="0">
-                  <a:latin typeface="맑은 고딕" pitchFamily="50" charset="-127"/>
-                  <a:ea typeface="맑은 고딕" pitchFamily="50" charset="-127"/>
-                </a:rPr>
-                <a:t>  </a:t>
-              </a:r>
-              <a:r>
-                <a:rPr lang="ko-KR" altLang="en-US" sz="1050" dirty="0">
-                  <a:latin typeface="맑은 고딕" pitchFamily="50" charset="-127"/>
-                  <a:ea typeface="맑은 고딕" pitchFamily="50" charset="-127"/>
-                </a:rPr>
-                <a:t>저장된다</a:t>
-              </a:r>
-              <a:r>
-                <a:rPr lang="en-US" altLang="ko-KR" sz="1050" dirty="0">
-                  <a:latin typeface="맑은 고딕" pitchFamily="50" charset="-127"/>
-                  <a:ea typeface="맑은 고딕" pitchFamily="50" charset="-127"/>
-                </a:rPr>
-                <a:t>.</a:t>
-              </a:r>
-            </a:p>
-            <a:p>
-              <a:pPr algn="just"/>
-              <a:endParaRPr lang="en-US" altLang="ko-KR" sz="1050" dirty="0">
-                <a:latin typeface="맑은 고딕" pitchFamily="50" charset="-127"/>
-                <a:ea typeface="맑은 고딕" pitchFamily="50" charset="-127"/>
-              </a:endParaRPr>
             </a:p>
             <a:p>
               <a:pPr marL="0" marR="0" indent="0" algn="just" defTabSz="914400" rtl="0" eaLnBrk="0" fontAlgn="base" latinLnBrk="0" hangingPunct="0">
@@ -18507,28 +18431,28 @@
       </p:graphicFrame>
       <p:pic>
         <p:nvPicPr>
-          <p:cNvPr id="2" name="그림 1"/>
+          <p:cNvPr id="5" name="그림 4">
+            <a:extLst>
+              <a:ext uri="{FF2B5EF4-FFF2-40B4-BE49-F238E27FC236}">
+                <a16:creationId xmlns:a16="http://schemas.microsoft.com/office/drawing/2014/main" id="{BEB4143E-B491-40CD-85E0-470520FBA18B}"/>
+              </a:ext>
+            </a:extLst>
+          </p:cNvPr>
           <p:cNvPicPr>
             <a:picLocks noChangeAspect="1"/>
           </p:cNvPicPr>
           <p:nvPr/>
         </p:nvPicPr>
         <p:blipFill>
-          <a:blip r:embed="rId2">
-            <a:extLst>
-              <a:ext uri="{28A0092B-C50C-407E-A947-70E740481C1C}">
-                <a14:useLocalDpi xmlns:a14="http://schemas.microsoft.com/office/drawing/2010/main" val="0"/>
-              </a:ext>
-            </a:extLst>
-          </a:blip>
+          <a:blip r:embed="rId2"/>
           <a:stretch>
             <a:fillRect/>
           </a:stretch>
         </p:blipFill>
         <p:spPr>
           <a:xfrm>
-            <a:off x="1477756" y="2744612"/>
-            <a:ext cx="1779871" cy="1634347"/>
+            <a:off x="1485977" y="2873285"/>
+            <a:ext cx="1771650" cy="1514475"/>
           </a:xfrm>
           <a:prstGeom prst="rect">
             <a:avLst/>
@@ -18567,32 +18491,37 @@
       </p:grpSpPr>
       <p:pic>
         <p:nvPicPr>
-          <p:cNvPr id="12" name="그림 11"/>
+          <p:cNvPr id="2" name="그림 1">
+            <a:extLst>
+              <a:ext uri="{FF2B5EF4-FFF2-40B4-BE49-F238E27FC236}">
+                <a16:creationId xmlns:a16="http://schemas.microsoft.com/office/drawing/2014/main" id="{9CD5F742-4792-4FD3-B3DF-2D0C16A48A13}"/>
+              </a:ext>
+            </a:extLst>
+          </p:cNvPr>
           <p:cNvPicPr>
             <a:picLocks noChangeAspect="1"/>
           </p:cNvPicPr>
           <p:nvPr/>
         </p:nvPicPr>
         <p:blipFill>
-          <a:blip r:embed="rId2">
-            <a:extLst>
-              <a:ext uri="{28A0092B-C50C-407E-A947-70E740481C1C}">
-                <a14:useLocalDpi xmlns:a14="http://schemas.microsoft.com/office/drawing/2010/main" val="0"/>
-              </a:ext>
-            </a:extLst>
-          </a:blip>
+          <a:blip r:embed="rId2"/>
           <a:stretch>
             <a:fillRect/>
           </a:stretch>
         </p:blipFill>
         <p:spPr>
           <a:xfrm>
-            <a:off x="1477756" y="2744612"/>
-            <a:ext cx="1779871" cy="1634347"/>
+            <a:off x="1453504" y="2718196"/>
+            <a:ext cx="1771650" cy="1514475"/>
           </a:xfrm>
           <a:prstGeom prst="rect">
             <a:avLst/>
           </a:prstGeom>
+          <a:ln w="19050">
+            <a:solidFill>
+              <a:schemeClr val="tx1"/>
+            </a:solidFill>
+          </a:ln>
         </p:spPr>
       </p:pic>
       <p:graphicFrame>
@@ -20326,14 +20255,14 @@
           <p:nvPr>
             <p:extLst>
               <p:ext uri="{D42A27DB-BD31-4B8C-83A1-F6EECF244321}">
-                <p14:modId xmlns:p14="http://schemas.microsoft.com/office/powerpoint/2010/main" val="1555375858"/>
+                <p14:modId xmlns:p14="http://schemas.microsoft.com/office/powerpoint/2010/main" val="2153123960"/>
               </p:ext>
             </p:extLst>
           </p:nvPr>
         </p:nvGraphicFramePr>
         <p:xfrm>
-          <a:off x="4623752" y="2484513"/>
-          <a:ext cx="4050032" cy="2084744"/>
+          <a:off x="4623752" y="2638088"/>
+          <a:ext cx="4050032" cy="1581824"/>
         </p:xfrm>
         <a:graphic>
           <a:graphicData uri="http://schemas.openxmlformats.org/drawingml/2006/table">
@@ -20935,7 +20864,7 @@
                           <a:latin typeface="맑은 고딕" pitchFamily="50" charset="-127"/>
                           <a:ea typeface="맑은 고딕" pitchFamily="50" charset="-127"/>
                         </a:rPr>
-                        <a:t>O</a:t>
+                        <a:t>I/O</a:t>
                       </a:r>
                       <a:endParaRPr lang="ko-KR" altLang="en-US" sz="1050" b="0" dirty="0">
                         <a:solidFill>
@@ -20964,9 +20893,9 @@
                             <a:schemeClr val="tx1"/>
                           </a:solidFill>
                           <a:latin typeface="맑은 고딕" pitchFamily="50" charset="-127"/>
-                          <a:ea typeface="맑은 고딕" pitchFamily="50" charset="-127"/>
+                          <a:ea typeface="+mn-ea"/>
                         </a:rPr>
-                        <a:t>포트 번호</a:t>
+                        <a:t>폴더검색 버튼</a:t>
                       </a:r>
                     </a:p>
                   </a:txBody>
@@ -21006,7 +20935,17 @@
                           <a:latin typeface="맑은 고딕" pitchFamily="50" charset="-127"/>
                           <a:ea typeface="+mn-ea"/>
                         </a:rPr>
-                        <a:t>Text Control</a:t>
+                        <a:t>Button</a:t>
+                      </a:r>
+                      <a:r>
+                        <a:rPr lang="en-US" altLang="ko-KR" sz="1050" b="0" baseline="0" dirty="0">
+                          <a:solidFill>
+                            <a:schemeClr val="tx1"/>
+                          </a:solidFill>
+                          <a:latin typeface="맑은 고딕" pitchFamily="50" charset="-127"/>
+                          <a:ea typeface="+mn-ea"/>
+                        </a:rPr>
+                        <a:t> Control</a:t>
                       </a:r>
                       <a:endParaRPr lang="ko-KR" altLang="en-US" sz="1050" b="0" dirty="0">
                         <a:solidFill>
@@ -21113,16 +21052,32 @@
                     <a:bodyPr/>
                     <a:lstStyle/>
                     <a:p>
-                      <a:pPr latinLnBrk="1"/>
+                      <a:pPr marL="0" marR="0" lvl="0" indent="0" algn="l" defTabSz="914400" rtl="0" eaLnBrk="1" fontAlgn="auto" latinLnBrk="1" hangingPunct="1">
+                        <a:lnSpc>
+                          <a:spcPct val="100000"/>
+                        </a:lnSpc>
+                        <a:spcBef>
+                          <a:spcPts val="0"/>
+                        </a:spcBef>
+                        <a:spcAft>
+                          <a:spcPts val="0"/>
+                        </a:spcAft>
+                        <a:buClrTx/>
+                        <a:buSzTx/>
+                        <a:buFontTx/>
+                        <a:buNone/>
+                        <a:tabLst/>
+                        <a:defRPr/>
+                      </a:pPr>
                       <a:r>
                         <a:rPr lang="ko-KR" altLang="en-US" sz="1050" b="0" dirty="0">
                           <a:solidFill>
                             <a:schemeClr val="tx1"/>
                           </a:solidFill>
                           <a:latin typeface="맑은 고딕" pitchFamily="50" charset="-127"/>
-                          <a:ea typeface="맑은 고딕" pitchFamily="50" charset="-127"/>
+                          <a:ea typeface="+mn-ea"/>
                         </a:rPr>
-                        <a:t>폴더검색 버튼</a:t>
+                        <a:t>확인 버튼</a:t>
                       </a:r>
                     </a:p>
                   </a:txBody>
@@ -21160,26 +21115,16 @@
                             <a:schemeClr val="tx1"/>
                           </a:solidFill>
                           <a:latin typeface="맑은 고딕" pitchFamily="50" charset="-127"/>
-                          <a:ea typeface="맑은 고딕" pitchFamily="50" charset="-127"/>
+                          <a:ea typeface="+mn-ea"/>
                         </a:rPr>
-                        <a:t>Button</a:t>
-                      </a:r>
-                      <a:r>
-                        <a:rPr lang="en-US" altLang="ko-KR" sz="1050" b="0" baseline="0" dirty="0">
-                          <a:solidFill>
-                            <a:schemeClr val="tx1"/>
-                          </a:solidFill>
-                          <a:latin typeface="맑은 고딕" pitchFamily="50" charset="-127"/>
-                          <a:ea typeface="맑은 고딕" pitchFamily="50" charset="-127"/>
-                        </a:rPr>
-                        <a:t> Control</a:t>
+                        <a:t>Button Control</a:t>
                       </a:r>
                       <a:endParaRPr lang="ko-KR" altLang="en-US" sz="1050" b="0" dirty="0">
                         <a:solidFill>
                           <a:schemeClr val="tx1"/>
                         </a:solidFill>
                         <a:latin typeface="맑은 고딕" pitchFamily="50" charset="-127"/>
-                        <a:ea typeface="맑은 고딕" pitchFamily="50" charset="-127"/>
+                        <a:ea typeface="+mn-ea"/>
                       </a:endParaRPr>
                     </a:p>
                   </a:txBody>
@@ -21192,296 +21137,6 @@
                 <a:extLst>
                   <a:ext uri="{0D108BD9-81ED-4DB2-BD59-A6C34878D82A}">
                     <a16:rowId xmlns:a16="http://schemas.microsoft.com/office/drawing/2014/main" val="10005"/>
-                  </a:ext>
-                </a:extLst>
-              </a:tr>
-              <a:tr h="195561">
-                <a:tc>
-                  <a:txBody>
-                    <a:bodyPr/>
-                    <a:lstStyle/>
-                    <a:p>
-                      <a:pPr algn="ctr" latinLnBrk="1"/>
-                      <a:r>
-                        <a:rPr lang="en-US" altLang="ko-KR" sz="1050" b="0" dirty="0">
-                          <a:solidFill>
-                            <a:schemeClr val="tx1"/>
-                          </a:solidFill>
-                          <a:latin typeface="맑은 고딕" pitchFamily="50" charset="-127"/>
-                          <a:ea typeface="맑은 고딕" pitchFamily="50" charset="-127"/>
-                        </a:rPr>
-                        <a:t>5</a:t>
-                      </a:r>
-                      <a:endParaRPr lang="ko-KR" altLang="en-US" sz="1050" b="0" dirty="0">
-                        <a:solidFill>
-                          <a:schemeClr val="tx1"/>
-                        </a:solidFill>
-                        <a:latin typeface="맑은 고딕" pitchFamily="50" charset="-127"/>
-                        <a:ea typeface="맑은 고딕" pitchFamily="50" charset="-127"/>
-                      </a:endParaRPr>
-                    </a:p>
-                  </a:txBody>
-                  <a:tcPr anchor="ctr">
-                    <a:solidFill>
-                      <a:schemeClr val="bg1"/>
-                    </a:solidFill>
-                  </a:tcPr>
-                </a:tc>
-                <a:tc>
-                  <a:txBody>
-                    <a:bodyPr/>
-                    <a:lstStyle/>
-                    <a:p>
-                      <a:pPr marL="0" marR="0" indent="0" algn="ctr" defTabSz="914400" rtl="0" eaLnBrk="1" fontAlgn="auto" latinLnBrk="1" hangingPunct="1">
-                        <a:lnSpc>
-                          <a:spcPct val="100000"/>
-                        </a:lnSpc>
-                        <a:spcBef>
-                          <a:spcPts val="0"/>
-                        </a:spcBef>
-                        <a:spcAft>
-                          <a:spcPts val="0"/>
-                        </a:spcAft>
-                        <a:buClrTx/>
-                        <a:buSzTx/>
-                        <a:buFontTx/>
-                        <a:buNone/>
-                        <a:tabLst/>
-                        <a:defRPr/>
-                      </a:pPr>
-                      <a:r>
-                        <a:rPr lang="en-US" altLang="ko-KR" sz="1050" b="0" dirty="0">
-                          <a:solidFill>
-                            <a:schemeClr val="tx1"/>
-                          </a:solidFill>
-                          <a:latin typeface="맑은 고딕" pitchFamily="50" charset="-127"/>
-                          <a:ea typeface="맑은 고딕" pitchFamily="50" charset="-127"/>
-                        </a:rPr>
-                        <a:t>I/O</a:t>
-                      </a:r>
-                      <a:endParaRPr lang="ko-KR" altLang="en-US" sz="1050" b="0" dirty="0">
-                        <a:solidFill>
-                          <a:schemeClr val="tx1"/>
-                        </a:solidFill>
-                        <a:latin typeface="맑은 고딕" pitchFamily="50" charset="-127"/>
-                        <a:ea typeface="맑은 고딕" pitchFamily="50" charset="-127"/>
-                      </a:endParaRPr>
-                    </a:p>
-                  </a:txBody>
-                  <a:tcPr anchor="ctr">
-                    <a:solidFill>
-                      <a:schemeClr val="bg1"/>
-                    </a:solidFill>
-                  </a:tcPr>
-                </a:tc>
-                <a:tc>
-                  <a:txBody>
-                    <a:bodyPr/>
-                    <a:lstStyle/>
-                    <a:p>
-                      <a:pPr latinLnBrk="1"/>
-                      <a:r>
-                        <a:rPr lang="ko-KR" altLang="en-US" sz="1050" b="0" dirty="0">
-                          <a:solidFill>
-                            <a:schemeClr val="tx1"/>
-                          </a:solidFill>
-                          <a:latin typeface="맑은 고딕" pitchFamily="50" charset="-127"/>
-                          <a:ea typeface="맑은 고딕" pitchFamily="50" charset="-127"/>
-                        </a:rPr>
-                        <a:t>포트번호 입력</a:t>
-                      </a:r>
-                    </a:p>
-                  </a:txBody>
-                  <a:tcPr anchor="ctr">
-                    <a:solidFill>
-                      <a:schemeClr val="bg1"/>
-                    </a:solidFill>
-                  </a:tcPr>
-                </a:tc>
-                <a:tc>
-                  <a:txBody>
-                    <a:bodyPr/>
-                    <a:lstStyle/>
-                    <a:p>
-                      <a:pPr marL="0" marR="0" lvl="0" indent="0" algn="l" defTabSz="914400" rtl="0" eaLnBrk="1" fontAlgn="auto" latinLnBrk="1" hangingPunct="1">
-                        <a:lnSpc>
-                          <a:spcPct val="100000"/>
-                        </a:lnSpc>
-                        <a:spcBef>
-                          <a:spcPts val="0"/>
-                        </a:spcBef>
-                        <a:spcAft>
-                          <a:spcPts val="0"/>
-                        </a:spcAft>
-                        <a:buClrTx/>
-                        <a:buSzTx/>
-                        <a:buFontTx/>
-                        <a:buNone/>
-                        <a:tabLst/>
-                        <a:defRPr/>
-                      </a:pPr>
-                      <a:r>
-                        <a:rPr lang="en-US" altLang="ko-KR" sz="1050" b="0" dirty="0">
-                          <a:solidFill>
-                            <a:schemeClr val="tx1"/>
-                          </a:solidFill>
-                          <a:latin typeface="맑은 고딕" pitchFamily="50" charset="-127"/>
-                          <a:ea typeface="맑은 고딕" pitchFamily="50" charset="-127"/>
-                        </a:rPr>
-                        <a:t>Edit</a:t>
-                      </a:r>
-                      <a:r>
-                        <a:rPr lang="en-US" altLang="ko-KR" sz="1050" b="0" baseline="0" dirty="0">
-                          <a:solidFill>
-                            <a:schemeClr val="tx1"/>
-                          </a:solidFill>
-                          <a:latin typeface="맑은 고딕" pitchFamily="50" charset="-127"/>
-                          <a:ea typeface="맑은 고딕" pitchFamily="50" charset="-127"/>
-                        </a:rPr>
-                        <a:t> Control</a:t>
-                      </a:r>
-                      <a:endParaRPr lang="ko-KR" altLang="en-US" sz="1050" b="0" dirty="0">
-                        <a:solidFill>
-                          <a:schemeClr val="tx1"/>
-                        </a:solidFill>
-                        <a:latin typeface="맑은 고딕" pitchFamily="50" charset="-127"/>
-                        <a:ea typeface="맑은 고딕" pitchFamily="50" charset="-127"/>
-                      </a:endParaRPr>
-                    </a:p>
-                  </a:txBody>
-                  <a:tcPr anchor="ctr">
-                    <a:solidFill>
-                      <a:schemeClr val="bg1"/>
-                    </a:solidFill>
-                  </a:tcPr>
-                </a:tc>
-                <a:extLst>
-                  <a:ext uri="{0D108BD9-81ED-4DB2-BD59-A6C34878D82A}">
-                    <a16:rowId xmlns:a16="http://schemas.microsoft.com/office/drawing/2014/main" val="10006"/>
-                  </a:ext>
-                </a:extLst>
-              </a:tr>
-              <a:tr h="195561">
-                <a:tc>
-                  <a:txBody>
-                    <a:bodyPr/>
-                    <a:lstStyle/>
-                    <a:p>
-                      <a:pPr algn="ctr" latinLnBrk="1"/>
-                      <a:r>
-                        <a:rPr lang="en-US" altLang="ko-KR" sz="1050" b="0" dirty="0">
-                          <a:solidFill>
-                            <a:schemeClr val="tx1"/>
-                          </a:solidFill>
-                          <a:latin typeface="맑은 고딕" pitchFamily="50" charset="-127"/>
-                          <a:ea typeface="맑은 고딕" pitchFamily="50" charset="-127"/>
-                        </a:rPr>
-                        <a:t>6</a:t>
-                      </a:r>
-                      <a:endParaRPr lang="ko-KR" altLang="en-US" sz="1050" b="0" dirty="0">
-                        <a:solidFill>
-                          <a:schemeClr val="tx1"/>
-                        </a:solidFill>
-                        <a:latin typeface="맑은 고딕" pitchFamily="50" charset="-127"/>
-                        <a:ea typeface="맑은 고딕" pitchFamily="50" charset="-127"/>
-                      </a:endParaRPr>
-                    </a:p>
-                  </a:txBody>
-                  <a:tcPr anchor="ctr">
-                    <a:solidFill>
-                      <a:schemeClr val="bg1"/>
-                    </a:solidFill>
-                  </a:tcPr>
-                </a:tc>
-                <a:tc>
-                  <a:txBody>
-                    <a:bodyPr/>
-                    <a:lstStyle/>
-                    <a:p>
-                      <a:pPr algn="ctr" latinLnBrk="1"/>
-                      <a:r>
-                        <a:rPr lang="en-US" altLang="ko-KR" sz="1050" b="0" dirty="0">
-                          <a:solidFill>
-                            <a:schemeClr val="tx1"/>
-                          </a:solidFill>
-                          <a:latin typeface="맑은 고딕" pitchFamily="50" charset="-127"/>
-                          <a:ea typeface="맑은 고딕" pitchFamily="50" charset="-127"/>
-                        </a:rPr>
-                        <a:t>I/O</a:t>
-                      </a:r>
-                      <a:endParaRPr lang="ko-KR" altLang="en-US" sz="1050" b="0" dirty="0">
-                        <a:solidFill>
-                          <a:schemeClr val="tx1"/>
-                        </a:solidFill>
-                        <a:latin typeface="맑은 고딕" pitchFamily="50" charset="-127"/>
-                        <a:ea typeface="맑은 고딕" pitchFamily="50" charset="-127"/>
-                      </a:endParaRPr>
-                    </a:p>
-                  </a:txBody>
-                  <a:tcPr anchor="ctr">
-                    <a:solidFill>
-                      <a:schemeClr val="bg1"/>
-                    </a:solidFill>
-                  </a:tcPr>
-                </a:tc>
-                <a:tc>
-                  <a:txBody>
-                    <a:bodyPr/>
-                    <a:lstStyle/>
-                    <a:p>
-                      <a:pPr latinLnBrk="1"/>
-                      <a:r>
-                        <a:rPr lang="ko-KR" altLang="en-US" sz="1050" b="0" dirty="0">
-                          <a:solidFill>
-                            <a:schemeClr val="tx1"/>
-                          </a:solidFill>
-                          <a:latin typeface="맑은 고딕" pitchFamily="50" charset="-127"/>
-                          <a:ea typeface="맑은 고딕" pitchFamily="50" charset="-127"/>
-                        </a:rPr>
-                        <a:t>확인 버튼</a:t>
-                      </a:r>
-                    </a:p>
-                  </a:txBody>
-                  <a:tcPr anchor="ctr">
-                    <a:solidFill>
-                      <a:schemeClr val="bg1"/>
-                    </a:solidFill>
-                  </a:tcPr>
-                </a:tc>
-                <a:tc>
-                  <a:txBody>
-                    <a:bodyPr/>
-                    <a:lstStyle/>
-                    <a:p>
-                      <a:pPr latinLnBrk="1"/>
-                      <a:r>
-                        <a:rPr lang="en-US" altLang="ko-KR" sz="1050" b="0" dirty="0">
-                          <a:solidFill>
-                            <a:schemeClr val="tx1"/>
-                          </a:solidFill>
-                          <a:latin typeface="맑은 고딕" pitchFamily="50" charset="-127"/>
-                          <a:ea typeface="맑은 고딕" pitchFamily="50" charset="-127"/>
-                        </a:rPr>
-                        <a:t>Button Control</a:t>
-                      </a:r>
-                      <a:endParaRPr lang="ko-KR" altLang="en-US" sz="1050" b="0" dirty="0">
-                        <a:solidFill>
-                          <a:schemeClr val="tx1"/>
-                        </a:solidFill>
-                        <a:latin typeface="맑은 고딕" pitchFamily="50" charset="-127"/>
-                        <a:ea typeface="맑은 고딕" pitchFamily="50" charset="-127"/>
-                      </a:endParaRPr>
-                    </a:p>
-                  </a:txBody>
-                  <a:tcPr anchor="ctr">
-                    <a:solidFill>
-                      <a:schemeClr val="bg1"/>
-                    </a:solidFill>
-                  </a:tcPr>
-                </a:tc>
-                <a:extLst>
-                  <a:ext uri="{0D108BD9-81ED-4DB2-BD59-A6C34878D82A}">
-                    <a16:rowId xmlns:a16="http://schemas.microsoft.com/office/drawing/2014/main" val="3259558297"/>
                   </a:ext>
                 </a:extLst>
               </a:tr>
@@ -21505,7 +21160,7 @@
         </p:nvSpPr>
         <p:spPr bwMode="auto">
           <a:xfrm>
-            <a:off x="2228441" y="3124111"/>
+            <a:off x="1675033" y="3564741"/>
             <a:ext cx="209880" cy="209880"/>
           </a:xfrm>
           <a:prstGeom prst="ellipse">
@@ -21590,7 +21245,7 @@
         </p:nvSpPr>
         <p:spPr bwMode="auto">
           <a:xfrm>
-            <a:off x="1499955" y="3289865"/>
+            <a:off x="1465153" y="3192567"/>
             <a:ext cx="209880" cy="209880"/>
           </a:xfrm>
           <a:prstGeom prst="ellipse">
@@ -21661,176 +21316,6 @@
       </p:sp>
       <p:sp>
         <p:nvSpPr>
-          <p:cNvPr id="27" name="타원 26">
-            <a:extLst>
-              <a:ext uri="{FF2B5EF4-FFF2-40B4-BE49-F238E27FC236}">
-                <a16:creationId xmlns:a16="http://schemas.microsoft.com/office/drawing/2014/main" id="{CD01EDE4-B4B3-4EC9-AC98-925BCE107297}"/>
-              </a:ext>
-            </a:extLst>
-          </p:cNvPr>
-          <p:cNvSpPr>
-            <a:spLocks noChangeAspect="1"/>
-          </p:cNvSpPr>
-          <p:nvPr/>
-        </p:nvSpPr>
-        <p:spPr bwMode="auto">
-          <a:xfrm>
-            <a:off x="1692470" y="3816794"/>
-            <a:ext cx="209880" cy="209880"/>
-          </a:xfrm>
-          <a:prstGeom prst="ellipse">
-            <a:avLst/>
-          </a:prstGeom>
-          <a:solidFill>
-            <a:schemeClr val="accent3">
-              <a:lumMod val="85000"/>
-            </a:schemeClr>
-          </a:solidFill>
-          <a:ln w="31750" cap="flat" cmpd="dbl" algn="ctr">
-            <a:solidFill>
-              <a:schemeClr val="bg1">
-                <a:lumMod val="50000"/>
-              </a:schemeClr>
-            </a:solidFill>
-            <a:prstDash val="solid"/>
-            <a:round/>
-            <a:headEnd type="none" w="med" len="med"/>
-            <a:tailEnd type="none" w="med" len="med"/>
-          </a:ln>
-          <a:effectLst/>
-        </p:spPr>
-        <p:txBody>
-          <a:bodyPr vert="horz" wrap="none" lIns="90000" tIns="46800" rIns="90000" bIns="46800" numCol="1" rtlCol="0" anchor="ctr" anchorCtr="0" compatLnSpc="1">
-            <a:prstTxWarp prst="textNoShape">
-              <a:avLst/>
-            </a:prstTxWarp>
-          </a:bodyPr>
-          <a:lstStyle/>
-          <a:p>
-            <a:pPr marL="0" marR="0" indent="0" algn="ctr" defTabSz="914400" rtl="0" eaLnBrk="0" fontAlgn="base" latinLnBrk="0" hangingPunct="0">
-              <a:lnSpc>
-                <a:spcPct val="100000"/>
-              </a:lnSpc>
-              <a:spcBef>
-                <a:spcPct val="0"/>
-              </a:spcBef>
-              <a:spcAft>
-                <a:spcPct val="0"/>
-              </a:spcAft>
-              <a:buClrTx/>
-              <a:buSzTx/>
-              <a:buFontTx/>
-              <a:buNone/>
-              <a:tabLst/>
-            </a:pPr>
-            <a:r>
-              <a:rPr lang="en-US" altLang="ko-KR" sz="1000" b="1" dirty="0">
-                <a:latin typeface="맑은 고딕" pitchFamily="50" charset="-127"/>
-                <a:ea typeface="맑은 고딕" pitchFamily="50" charset="-127"/>
-              </a:rPr>
-              <a:t>6</a:t>
-            </a:r>
-            <a:endParaRPr kumimoji="0" lang="ko-KR" altLang="en-US" sz="1000" b="1" i="0" u="none" strike="noStrike" cap="none" normalizeH="0" baseline="0" dirty="0">
-              <a:ln>
-                <a:noFill/>
-              </a:ln>
-              <a:solidFill>
-                <a:schemeClr val="tx1"/>
-              </a:solidFill>
-              <a:effectLst/>
-              <a:latin typeface="맑은 고딕" pitchFamily="50" charset="-127"/>
-              <a:ea typeface="맑은 고딕" pitchFamily="50" charset="-127"/>
-            </a:endParaRPr>
-          </a:p>
-        </p:txBody>
-      </p:sp>
-      <p:sp>
-        <p:nvSpPr>
-          <p:cNvPr id="29" name="타원 28">
-            <a:extLst>
-              <a:ext uri="{FF2B5EF4-FFF2-40B4-BE49-F238E27FC236}">
-                <a16:creationId xmlns:a16="http://schemas.microsoft.com/office/drawing/2014/main" id="{CD01EDE4-B4B3-4EC9-AC98-925BCE107297}"/>
-              </a:ext>
-            </a:extLst>
-          </p:cNvPr>
-          <p:cNvSpPr>
-            <a:spLocks noChangeAspect="1"/>
-          </p:cNvSpPr>
-          <p:nvPr/>
-        </p:nvSpPr>
-        <p:spPr bwMode="auto">
-          <a:xfrm>
-            <a:off x="2956899" y="3684568"/>
-            <a:ext cx="209880" cy="209880"/>
-          </a:xfrm>
-          <a:prstGeom prst="ellipse">
-            <a:avLst/>
-          </a:prstGeom>
-          <a:solidFill>
-            <a:schemeClr val="accent3">
-              <a:lumMod val="85000"/>
-            </a:schemeClr>
-          </a:solidFill>
-          <a:ln w="31750" cap="flat" cmpd="dbl" algn="ctr">
-            <a:solidFill>
-              <a:schemeClr val="bg1">
-                <a:lumMod val="50000"/>
-              </a:schemeClr>
-            </a:solidFill>
-            <a:prstDash val="solid"/>
-            <a:round/>
-            <a:headEnd type="none" w="med" len="med"/>
-            <a:tailEnd type="none" w="med" len="med"/>
-          </a:ln>
-          <a:effectLst/>
-        </p:spPr>
-        <p:txBody>
-          <a:bodyPr vert="horz" wrap="none" lIns="90000" tIns="46800" rIns="90000" bIns="46800" numCol="1" rtlCol="0" anchor="ctr" anchorCtr="0" compatLnSpc="1">
-            <a:prstTxWarp prst="textNoShape">
-              <a:avLst/>
-            </a:prstTxWarp>
-          </a:bodyPr>
-          <a:lstStyle/>
-          <a:p>
-            <a:pPr marL="0" marR="0" indent="0" algn="ctr" defTabSz="914400" rtl="0" eaLnBrk="0" fontAlgn="base" latinLnBrk="0" hangingPunct="0">
-              <a:lnSpc>
-                <a:spcPct val="100000"/>
-              </a:lnSpc>
-              <a:spcBef>
-                <a:spcPct val="0"/>
-              </a:spcBef>
-              <a:spcAft>
-                <a:spcPct val="0"/>
-              </a:spcAft>
-              <a:buClrTx/>
-              <a:buSzTx/>
-              <a:buFontTx/>
-              <a:buNone/>
-              <a:tabLst/>
-            </a:pPr>
-            <a:r>
-              <a:rPr lang="en-US" altLang="ko-KR" sz="1000" b="1" dirty="0">
-                <a:latin typeface="맑은 고딕" pitchFamily="50" charset="-127"/>
-                <a:ea typeface="맑은 고딕" pitchFamily="50" charset="-127"/>
-              </a:rPr>
-              <a:t>5</a:t>
-            </a:r>
-            <a:endParaRPr kumimoji="0" lang="ko-KR" altLang="en-US" sz="1000" b="1" i="0" u="none" strike="noStrike" cap="none" normalizeH="0" baseline="0" dirty="0">
-              <a:ln>
-                <a:noFill/>
-              </a:ln>
-              <a:solidFill>
-                <a:schemeClr val="tx1"/>
-              </a:solidFill>
-              <a:effectLst/>
-              <a:latin typeface="맑은 고딕" pitchFamily="50" charset="-127"/>
-              <a:ea typeface="맑은 고딕" pitchFamily="50" charset="-127"/>
-            </a:endParaRPr>
-          </a:p>
-        </p:txBody>
-      </p:sp>
-      <p:sp>
-        <p:nvSpPr>
           <p:cNvPr id="30" name="타원 29">
             <a:extLst>
               <a:ext uri="{FF2B5EF4-FFF2-40B4-BE49-F238E27FC236}">
@@ -21845,7 +21330,7 @@
         </p:nvSpPr>
         <p:spPr bwMode="auto">
           <a:xfrm>
-            <a:off x="1499955" y="3561137"/>
+            <a:off x="2147915" y="3135017"/>
             <a:ext cx="209880" cy="209880"/>
           </a:xfrm>
           <a:prstGeom prst="ellipse">
@@ -21916,78 +21401,6 @@
       </p:sp>
       <p:sp>
         <p:nvSpPr>
-          <p:cNvPr id="3" name="직사각형 2"/>
-          <p:cNvSpPr/>
-          <p:nvPr/>
-        </p:nvSpPr>
-        <p:spPr bwMode="auto">
-          <a:xfrm>
-            <a:off x="1477756" y="2744612"/>
-            <a:ext cx="1779871" cy="1634347"/>
-          </a:xfrm>
-          <a:prstGeom prst="rect">
-            <a:avLst/>
-          </a:prstGeom>
-          <a:noFill/>
-          <a:ln>
-            <a:headEnd type="none" w="med" len="med"/>
-            <a:tailEnd type="none" w="med" len="med"/>
-          </a:ln>
-        </p:spPr>
-        <p:style>
-          <a:lnRef idx="2">
-            <a:schemeClr val="dk1"/>
-          </a:lnRef>
-          <a:fillRef idx="1">
-            <a:schemeClr val="lt1"/>
-          </a:fillRef>
-          <a:effectRef idx="0">
-            <a:schemeClr val="dk1"/>
-          </a:effectRef>
-          <a:fontRef idx="minor">
-            <a:schemeClr val="dk1"/>
-          </a:fontRef>
-        </p:style>
-        <p:txBody>
-          <a:bodyPr vert="horz" wrap="none" lIns="90000" tIns="46800" rIns="90000" bIns="46800" numCol="1" rtlCol="0" anchor="ctr" anchorCtr="0" compatLnSpc="1">
-            <a:prstTxWarp prst="textNoShape">
-              <a:avLst/>
-            </a:prstTxWarp>
-          </a:bodyPr>
-          <a:lstStyle/>
-          <a:p>
-            <a:pPr marL="0" marR="0" indent="0" algn="ctr" defTabSz="914400" rtl="0" eaLnBrk="0" fontAlgn="base" latinLnBrk="0" hangingPunct="0">
-              <a:lnSpc>
-                <a:spcPct val="100000"/>
-              </a:lnSpc>
-              <a:spcBef>
-                <a:spcPct val="0"/>
-              </a:spcBef>
-              <a:spcAft>
-                <a:spcPct val="0"/>
-              </a:spcAft>
-              <a:buClrTx/>
-              <a:buSzTx/>
-              <a:buFontTx/>
-              <a:buNone/>
-              <a:tabLst/>
-            </a:pPr>
-            <a:endParaRPr kumimoji="0" lang="ko-KR" altLang="en-US" sz="1400" b="0" i="0" u="none" strike="noStrike" cap="none" normalizeH="0" baseline="0" dirty="0">
-              <a:ln>
-                <a:noFill/>
-              </a:ln>
-              <a:solidFill>
-                <a:schemeClr val="tx1"/>
-              </a:solidFill>
-              <a:effectLst/>
-              <a:latin typeface="맑은 고딕" pitchFamily="50" charset="-127"/>
-              <a:ea typeface="맑은 고딕" pitchFamily="50" charset="-127"/>
-            </a:endParaRPr>
-          </a:p>
-        </p:txBody>
-      </p:sp>
-      <p:sp>
-        <p:nvSpPr>
           <p:cNvPr id="25" name="타원 24">
             <a:extLst>
               <a:ext uri="{FF2B5EF4-FFF2-40B4-BE49-F238E27FC236}">
@@ -22002,7 +21415,7 @@
         </p:nvSpPr>
         <p:spPr bwMode="auto">
           <a:xfrm>
-            <a:off x="1348564" y="2686945"/>
+            <a:off x="1348564" y="2572224"/>
             <a:ext cx="209880" cy="209880"/>
           </a:xfrm>
           <a:prstGeom prst="ellipse">
